--- a/materials/session_16/T/ML-Session16-T.pptx
+++ b/materials/session_16/T/ML-Session16-T.pptx
@@ -130,8 +130,7 @@
 <file path=ppt/revisionInfo.xml><?xml version="1.0" encoding="utf-8"?>
 <p1510:revInfo xmlns:a="http://schemas.openxmlformats.org/drawingml/2006/main" xmlns:r="http://schemas.openxmlformats.org/officeDocument/2006/relationships" xmlns:p1510="http://schemas.microsoft.com/office/powerpoint/2015/10/main">
   <p1510:revLst>
-    <p1510:client id="{A4BC484F-3F8E-6FE0-7D95-BF8DA268760E}" v="79" dt="2024-04-09T07:34:41.766"/>
-    <p1510:client id="{F97370C9-29E3-6C4B-F9C8-D3310FF97BF9}" v="1323" dt="2024-04-08T22:16:11.780"/>
+    <p1510:client id="{033FEDA0-CD48-D666-CBED-8096A40DE86A}" v="69" dt="2024-04-11T13:40:32.363"/>
   </p1510:revLst>
 </p1510:revInfo>
 </file>
@@ -265,7 +264,7 @@
           <a:p>
             <a:fld id="{E431C0BB-DC71-4713-A787-95011EDB8CA8}" type="datetimeFigureOut">
               <a:rPr lang="pt-PT" smtClean="0"/>
-              <a:t>09/04/2024</a:t>
+              <a:t>11/04/2024</a:t>
             </a:fld>
             <a:endParaRPr lang="pt-PT"/>
           </a:p>
@@ -433,7 +432,7 @@
           <a:p>
             <a:fld id="{E431C0BB-DC71-4713-A787-95011EDB8CA8}" type="datetimeFigureOut">
               <a:rPr lang="pt-PT" smtClean="0"/>
-              <a:t>09/04/2024</a:t>
+              <a:t>11/04/2024</a:t>
             </a:fld>
             <a:endParaRPr lang="pt-PT"/>
           </a:p>
@@ -611,7 +610,7 @@
           <a:p>
             <a:fld id="{E431C0BB-DC71-4713-A787-95011EDB8CA8}" type="datetimeFigureOut">
               <a:rPr lang="pt-PT" smtClean="0"/>
-              <a:t>09/04/2024</a:t>
+              <a:t>11/04/2024</a:t>
             </a:fld>
             <a:endParaRPr lang="pt-PT"/>
           </a:p>
@@ -779,7 +778,7 @@
           <a:p>
             <a:fld id="{E431C0BB-DC71-4713-A787-95011EDB8CA8}" type="datetimeFigureOut">
               <a:rPr lang="pt-PT" smtClean="0"/>
-              <a:t>09/04/2024</a:t>
+              <a:t>11/04/2024</a:t>
             </a:fld>
             <a:endParaRPr lang="pt-PT"/>
           </a:p>
@@ -1024,7 +1023,7 @@
           <a:p>
             <a:fld id="{E431C0BB-DC71-4713-A787-95011EDB8CA8}" type="datetimeFigureOut">
               <a:rPr lang="pt-PT" smtClean="0"/>
-              <a:t>09/04/2024</a:t>
+              <a:t>11/04/2024</a:t>
             </a:fld>
             <a:endParaRPr lang="pt-PT"/>
           </a:p>
@@ -1253,7 +1252,7 @@
           <a:p>
             <a:fld id="{E431C0BB-DC71-4713-A787-95011EDB8CA8}" type="datetimeFigureOut">
               <a:rPr lang="pt-PT" smtClean="0"/>
-              <a:t>09/04/2024</a:t>
+              <a:t>11/04/2024</a:t>
             </a:fld>
             <a:endParaRPr lang="pt-PT"/>
           </a:p>
@@ -1617,7 +1616,7 @@
           <a:p>
             <a:fld id="{E431C0BB-DC71-4713-A787-95011EDB8CA8}" type="datetimeFigureOut">
               <a:rPr lang="pt-PT" smtClean="0"/>
-              <a:t>09/04/2024</a:t>
+              <a:t>11/04/2024</a:t>
             </a:fld>
             <a:endParaRPr lang="pt-PT"/>
           </a:p>
@@ -1734,7 +1733,7 @@
           <a:p>
             <a:fld id="{E431C0BB-DC71-4713-A787-95011EDB8CA8}" type="datetimeFigureOut">
               <a:rPr lang="pt-PT" smtClean="0"/>
-              <a:t>09/04/2024</a:t>
+              <a:t>11/04/2024</a:t>
             </a:fld>
             <a:endParaRPr lang="pt-PT"/>
           </a:p>
@@ -1829,7 +1828,7 @@
           <a:p>
             <a:fld id="{E431C0BB-DC71-4713-A787-95011EDB8CA8}" type="datetimeFigureOut">
               <a:rPr lang="pt-PT" smtClean="0"/>
-              <a:t>09/04/2024</a:t>
+              <a:t>11/04/2024</a:t>
             </a:fld>
             <a:endParaRPr lang="pt-PT"/>
           </a:p>
@@ -2104,7 +2103,7 @@
           <a:p>
             <a:fld id="{E431C0BB-DC71-4713-A787-95011EDB8CA8}" type="datetimeFigureOut">
               <a:rPr lang="pt-PT" smtClean="0"/>
-              <a:t>09/04/2024</a:t>
+              <a:t>11/04/2024</a:t>
             </a:fld>
             <a:endParaRPr lang="pt-PT"/>
           </a:p>
@@ -2356,7 +2355,7 @@
           <a:p>
             <a:fld id="{E431C0BB-DC71-4713-A787-95011EDB8CA8}" type="datetimeFigureOut">
               <a:rPr lang="pt-PT" smtClean="0"/>
-              <a:t>09/04/2024</a:t>
+              <a:t>11/04/2024</a:t>
             </a:fld>
             <a:endParaRPr lang="pt-PT"/>
           </a:p>
@@ -2567,7 +2566,7 @@
           <a:p>
             <a:fld id="{E431C0BB-DC71-4713-A787-95011EDB8CA8}" type="datetimeFigureOut">
               <a:rPr lang="pt-PT" smtClean="0"/>
-              <a:t>09/04/2024</a:t>
+              <a:t>11/04/2024</a:t>
             </a:fld>
             <a:endParaRPr lang="pt-PT"/>
           </a:p>
@@ -3794,7 +3793,7 @@
                 <a:latin typeface="Calibri"/>
                 <a:cs typeface="Calibri"/>
               </a:rPr>
-              <a:t> 15 - T</a:t>
+              <a:t> 16 - T</a:t>
             </a:r>
           </a:p>
         </p:txBody>
@@ -4340,7 +4339,7 @@
                 <a:latin typeface="Times New Roman"/>
                 <a:cs typeface="Times New Roman"/>
               </a:rPr>
-              <a:t> 15</a:t>
+              <a:t> 16</a:t>
             </a:r>
             <a:endParaRPr lang="pt-PT" dirty="0"/>
           </a:p>
@@ -5953,7 +5952,7 @@
                 <a:latin typeface="Times New Roman"/>
                 <a:cs typeface="Times New Roman"/>
               </a:rPr>
-              <a:t> 15</a:t>
+              <a:t> 16</a:t>
             </a:r>
             <a:endParaRPr lang="pt-PT" dirty="0"/>
           </a:p>
@@ -7110,7 +7109,7 @@
                 <a:latin typeface="Times New Roman"/>
                 <a:cs typeface="Times New Roman"/>
               </a:rPr>
-              <a:t> 15</a:t>
+              <a:t> 16</a:t>
             </a:r>
             <a:endParaRPr lang="pt-PT" dirty="0"/>
           </a:p>
@@ -7522,7 +7521,7 @@
                 <a:latin typeface="Times New Roman"/>
                 <a:cs typeface="Times New Roman"/>
               </a:rPr>
-              <a:t> 15</a:t>
+              <a:t> 16</a:t>
             </a:r>
             <a:endParaRPr lang="pt-PT" dirty="0"/>
           </a:p>
@@ -9183,7 +9182,7 @@
                 <a:latin typeface="Times New Roman"/>
                 <a:cs typeface="Times New Roman"/>
               </a:rPr>
-              <a:t> 15</a:t>
+              <a:t> 16</a:t>
             </a:r>
             <a:endParaRPr lang="pt-PT" dirty="0"/>
           </a:p>
@@ -10021,7 +10020,7 @@
                 <a:latin typeface="Times New Roman"/>
                 <a:cs typeface="Times New Roman"/>
               </a:rPr>
-              <a:t> 15</a:t>
+              <a:t> 16</a:t>
             </a:r>
             <a:endParaRPr lang="pt-PT" dirty="0"/>
           </a:p>
@@ -10634,7 +10633,7 @@
                 <a:latin typeface="Times New Roman"/>
                 <a:cs typeface="Times New Roman"/>
               </a:rPr>
-              <a:t> 15</a:t>
+              <a:t> 16</a:t>
             </a:r>
             <a:endParaRPr lang="pt-PT" dirty="0"/>
           </a:p>
@@ -11859,7 +11858,7 @@
                 <a:latin typeface="Times New Roman"/>
                 <a:cs typeface="Times New Roman"/>
               </a:rPr>
-              <a:t> 15</a:t>
+              <a:t> 16</a:t>
             </a:r>
             <a:endParaRPr lang="pt-PT" dirty="0"/>
           </a:p>
@@ -13393,7 +13392,7 @@
                 <a:latin typeface="Times New Roman"/>
                 <a:cs typeface="Times New Roman"/>
               </a:rPr>
-              <a:t> 15</a:t>
+              <a:t> 16</a:t>
             </a:r>
             <a:endParaRPr lang="pt-PT" dirty="0"/>
           </a:p>
@@ -14584,7 +14583,7 @@
                 <a:latin typeface="Times New Roman"/>
                 <a:cs typeface="Times New Roman"/>
               </a:rPr>
-              <a:t> 15</a:t>
+              <a:t> 16</a:t>
             </a:r>
             <a:endParaRPr lang="pt-PT" dirty="0"/>
           </a:p>
@@ -14995,7 +14994,7 @@
                 <a:latin typeface="Times New Roman"/>
                 <a:cs typeface="Times New Roman"/>
               </a:rPr>
-              <a:t> 15</a:t>
+              <a:t> 16</a:t>
             </a:r>
             <a:endParaRPr lang="pt-PT" dirty="0"/>
           </a:p>
@@ -16682,7 +16681,7 @@
                 <a:latin typeface="Times New Roman"/>
                 <a:cs typeface="Times New Roman"/>
               </a:rPr>
-              <a:t> 15</a:t>
+              <a:t> 16</a:t>
             </a:r>
             <a:endParaRPr lang="pt-PT" dirty="0"/>
           </a:p>
@@ -17136,7 +17135,7 @@
                 <a:latin typeface="Times New Roman"/>
                 <a:cs typeface="Times New Roman"/>
               </a:rPr>
-              <a:t> 15</a:t>
+              <a:t> 16</a:t>
             </a:r>
             <a:endParaRPr lang="pt-PT" dirty="0"/>
           </a:p>
@@ -18099,7 +18098,7 @@
                 <a:latin typeface="Times New Roman"/>
                 <a:cs typeface="Times New Roman"/>
               </a:rPr>
-              <a:t> 15</a:t>
+              <a:t> 16</a:t>
             </a:r>
             <a:endParaRPr lang="pt-PT" dirty="0"/>
           </a:p>
@@ -19634,7 +19633,7 @@
                 <a:latin typeface="Times New Roman"/>
                 <a:cs typeface="Times New Roman"/>
               </a:rPr>
-              <a:t> 15</a:t>
+              <a:t> 16</a:t>
             </a:r>
             <a:endParaRPr lang="pt-PT" dirty="0"/>
           </a:p>
